--- a/Guía Presentación.pptx
+++ b/Guía Presentación.pptx
@@ -257,7 +257,7 @@
   </p:defaultTextStyle>
   <p:extLst>
     <p:ext uri="{EFAFB233-063F-42B5-8137-9DF3F51BA10A}">
-      <p15:sldGuideLst xmlns="" xmlns:mc="http://schemas.openxmlformats.org/markup-compatibility/2006" xmlns:mv="urn:schemas-microsoft-com:mac:vml" xmlns:c="http://schemas.openxmlformats.org/drawingml/2006/chart" xmlns:dgm="http://schemas.openxmlformats.org/drawingml/2006/diagram" xmlns:o="urn:schemas-microsoft-com:office:office" xmlns:v="urn:schemas-microsoft-com:vml" xmlns:pvml="urn:schemas-microsoft-com:office:powerpoint" xmlns:com="http://schemas.openxmlformats.org/drawingml/2006/compatibility" xmlns:p14="http://schemas.microsoft.com/office/powerpoint/2010/main" xmlns:p15="http://schemas.microsoft.com/office/powerpoint/2012/main" xmlns:ahyp="http://schemas.microsoft.com/office/drawing/2018/hyperlinkcolor">
+      <p15:sldGuideLst xmlns:ahyp="http://schemas.microsoft.com/office/drawing/2018/hyperlinkcolor" xmlns:p15="http://schemas.microsoft.com/office/powerpoint/2012/main" xmlns:p14="http://schemas.microsoft.com/office/powerpoint/2010/main" xmlns:com="http://schemas.openxmlformats.org/drawingml/2006/compatibility" xmlns:pvml="urn:schemas-microsoft-com:office:powerpoint" xmlns:v="urn:schemas-microsoft-com:vml" xmlns:o="urn:schemas-microsoft-com:office:office" xmlns:dgm="http://schemas.openxmlformats.org/drawingml/2006/diagram" xmlns:c="http://schemas.openxmlformats.org/drawingml/2006/chart" xmlns:mv="urn:schemas-microsoft-com:mac:vml" xmlns:mc="http://schemas.openxmlformats.org/markup-compatibility/2006" xmlns="">
         <p15:guide id="1" orient="horz" pos="1620">
           <p15:clr>
             <a:srgbClr val="747775"/>
@@ -7650,11 +7650,23 @@
             </a:pPr>
             <a:r>
               <a:rPr lang="es-419" dirty="0" smtClean="0"/>
-              <a:t>Martínez</a:t>
-            </a:r>
-            <a:r>
-              <a:rPr lang="es-419" dirty="0" smtClean="0"/>
-              <a:t>, Edgardo</a:t>
+              <a:t>Fernández, Sebastián</a:t>
+            </a:r>
+          </a:p>
+          <a:p>
+            <a:pPr marL="457200" lvl="0" indent="-342900" algn="l" rtl="0">
+              <a:spcBef>
+                <a:spcPts val="0"/>
+              </a:spcBef>
+              <a:spcAft>
+                <a:spcPts val="0"/>
+              </a:spcAft>
+              <a:buSzPts val="1800"/>
+              <a:buChar char="●"/>
+            </a:pPr>
+            <a:r>
+              <a:rPr lang="es-419" smtClean="0"/>
+              <a:t>Martínez, Edgardo</a:t>
             </a:r>
             <a:endParaRPr dirty="0"/>
           </a:p>
@@ -8614,11 +8626,7 @@
             </a:r>
             <a:r>
               <a:rPr lang="es-419" smtClean="0"/>
-              <a:t>práctico</a:t>
-            </a:r>
-            <a:r>
-              <a:rPr lang="es-419" smtClean="0"/>
-              <a:t>.</a:t>
+              <a:t>práctico.</a:t>
             </a:r>
             <a:endParaRPr dirty="0"/>
           </a:p>
